--- a/templates/master_copy.pptx
+++ b/templates/master_copy.pptx
@@ -1493,94 +1493,6 @@
           </a:p>
         </p:txBody>
       </p:sp>
-      <p:sp>
-        <p:nvSpPr>
-          <p:cNvPr id="4" name="Date Placeholder 3"/>
-          <p:cNvSpPr>
-            <a:spLocks noGrp="1"/>
-          </p:cNvSpPr>
-          <p:nvPr>
-            <p:ph type="dt" sz="half" idx="10"/>
-          </p:nvPr>
-        </p:nvSpPr>
-        <p:spPr>
-          <a:xfrm>
-            <a:off x="965606" y="384048"/>
-            <a:ext cx="4389120" cy="384048"/>
-          </a:xfrm>
-        </p:spPr>
-        <p:txBody>
-          <a:bodyPr vert="horz" lIns="91440" tIns="45720" rIns="91440" bIns="45720" rtlCol="0" anchor="ctr"/>
-          <a:lstStyle>
-            <a:lvl1pPr>
-              <a:defRPr lang="en-US"/>
-            </a:lvl1pPr>
-          </a:lstStyle>
-          <a:p>
-            <a:fld id="{CE60F759-2DB9-45EC-93E5-4C9B94ABF359}" type="datetimeFigureOut">
-              <a:rPr lang="en-US" smtClean="0"/>
-              <a:t>3/6/2022</a:t>
-            </a:fld>
-            <a:endParaRPr lang="en-US"/>
-          </a:p>
-        </p:txBody>
-      </p:sp>
-      <p:sp>
-        <p:nvSpPr>
-          <p:cNvPr id="5" name="Footer Placeholder 4"/>
-          <p:cNvSpPr>
-            <a:spLocks noGrp="1"/>
-          </p:cNvSpPr>
-          <p:nvPr>
-            <p:ph type="ftr" sz="quarter" idx="11"/>
-          </p:nvPr>
-        </p:nvSpPr>
-        <p:spPr>
-          <a:xfrm>
-            <a:off x="965607" y="7472477"/>
-            <a:ext cx="12706502" cy="384048"/>
-          </a:xfrm>
-        </p:spPr>
-        <p:txBody>
-          <a:bodyPr/>
-          <a:lstStyle>
-            <a:lvl1pPr algn="ctr">
-              <a:defRPr/>
-            </a:lvl1pPr>
-          </a:lstStyle>
-          <a:p>
-            <a:endParaRPr lang="en-US"/>
-          </a:p>
-        </p:txBody>
-      </p:sp>
-      <p:sp>
-        <p:nvSpPr>
-          <p:cNvPr id="6" name="Slide Number Placeholder 5"/>
-          <p:cNvSpPr>
-            <a:spLocks noGrp="1"/>
-          </p:cNvSpPr>
-          <p:nvPr>
-            <p:ph type="sldNum" sz="quarter" idx="12"/>
-          </p:nvPr>
-        </p:nvSpPr>
-        <p:spPr>
-          <a:xfrm>
-            <a:off x="12563856" y="384048"/>
-            <a:ext cx="1097280" cy="384048"/>
-          </a:xfrm>
-        </p:spPr>
-        <p:txBody>
-          <a:bodyPr/>
-          <a:lstStyle/>
-          <a:p>
-            <a:fld id="{6F51A0CA-260B-46C0-8077-05435D50D64B}" type="slidenum">
-              <a:rPr lang="en-US" smtClean="0"/>
-              <a:t>‹#›</a:t>
-            </a:fld>
-            <a:endParaRPr lang="en-US"/>
-          </a:p>
-        </p:txBody>
-      </p:sp>
     </p:spTree>
     <p:extLst>
       <p:ext uri="{BB962C8B-B14F-4D97-AF65-F5344CB8AC3E}">
@@ -2917,8 +2829,8 @@
         </p:nvSpPr>
         <p:spPr>
           <a:xfrm>
-            <a:off x="6142137" y="963823"/>
-            <a:ext cx="7538248" cy="6298346"/>
+            <a:off x="6217920" y="365760"/>
+            <a:ext cx="8046720" cy="7498080"/>
           </a:xfrm>
         </p:spPr>
         <p:txBody>
@@ -2956,71 +2868,6 @@
           </a:p>
         </p:txBody>
       </p:sp>
-      <p:sp>
-        <p:nvSpPr>
-          <p:cNvPr id="4" name="Date Placeholder 3"/>
-          <p:cNvSpPr>
-            <a:spLocks noGrp="1"/>
-          </p:cNvSpPr>
-          <p:nvPr>
-            <p:ph type="dt" sz="half" idx="10"/>
-          </p:nvPr>
-        </p:nvSpPr>
-        <p:spPr/>
-        <p:txBody>
-          <a:bodyPr/>
-          <a:lstStyle/>
-          <a:p>
-            <a:fld id="{CE60F759-2DB9-45EC-93E5-4C9B94ABF359}" type="datetimeFigureOut">
-              <a:rPr lang="en-US" smtClean="0"/>
-              <a:t>3/6/2022</a:t>
-            </a:fld>
-            <a:endParaRPr lang="en-US"/>
-          </a:p>
-        </p:txBody>
-      </p:sp>
-      <p:sp>
-        <p:nvSpPr>
-          <p:cNvPr id="5" name="Footer Placeholder 4"/>
-          <p:cNvSpPr>
-            <a:spLocks noGrp="1"/>
-          </p:cNvSpPr>
-          <p:nvPr>
-            <p:ph type="ftr" sz="quarter" idx="11"/>
-          </p:nvPr>
-        </p:nvSpPr>
-        <p:spPr/>
-        <p:txBody>
-          <a:bodyPr/>
-          <a:lstStyle/>
-          <a:p>
-            <a:endParaRPr lang="en-US"/>
-          </a:p>
-        </p:txBody>
-      </p:sp>
-      <p:sp>
-        <p:nvSpPr>
-          <p:cNvPr id="6" name="Slide Number Placeholder 5"/>
-          <p:cNvSpPr>
-            <a:spLocks noGrp="1"/>
-          </p:cNvSpPr>
-          <p:nvPr>
-            <p:ph type="sldNum" sz="quarter" idx="12"/>
-          </p:nvPr>
-        </p:nvSpPr>
-        <p:spPr/>
-        <p:txBody>
-          <a:bodyPr/>
-          <a:lstStyle/>
-          <a:p>
-            <a:fld id="{6F51A0CA-260B-46C0-8077-05435D50D64B}" type="slidenum">
-              <a:rPr lang="en-US" smtClean="0"/>
-              <a:t>‹#›</a:t>
-            </a:fld>
-            <a:endParaRPr lang="en-US"/>
-          </a:p>
-        </p:txBody>
-      </p:sp>
     </p:spTree>
     <p:extLst>
       <p:ext uri="{BB962C8B-B14F-4D97-AF65-F5344CB8AC3E}">
@@ -3055,7 +2902,7 @@
         <p:nvGrpSpPr>
           <p:cNvPr id="77" name="Group 76"/>
           <p:cNvGrpSpPr/>
-          <p:nvPr/>
+          <p:nvPr userDrawn="1"/>
         </p:nvGrpSpPr>
         <p:grpSpPr>
           <a:xfrm>
@@ -4336,90 +4183,6 @@
               <a:rPr lang="en-US" dirty="0"/>
               <a:t>Round #</a:t>
             </a:r>
-          </a:p>
-        </p:txBody>
-      </p:sp>
-      <p:sp>
-        <p:nvSpPr>
-          <p:cNvPr id="4" name="Date Placeholder 3"/>
-          <p:cNvSpPr>
-            <a:spLocks noGrp="1"/>
-          </p:cNvSpPr>
-          <p:nvPr>
-            <p:ph type="dt" sz="half" idx="10"/>
-          </p:nvPr>
-        </p:nvSpPr>
-        <p:spPr>
-          <a:xfrm>
-            <a:off x="965606" y="384048"/>
-            <a:ext cx="4389120" cy="384048"/>
-          </a:xfrm>
-        </p:spPr>
-        <p:txBody>
-          <a:bodyPr/>
-          <a:lstStyle/>
-          <a:p>
-            <a:fld id="{CE60F759-2DB9-45EC-93E5-4C9B94ABF359}" type="datetimeFigureOut">
-              <a:rPr lang="en-US" smtClean="0"/>
-              <a:t>3/6/2022</a:t>
-            </a:fld>
-            <a:endParaRPr lang="en-US"/>
-          </a:p>
-        </p:txBody>
-      </p:sp>
-      <p:sp>
-        <p:nvSpPr>
-          <p:cNvPr id="5" name="Footer Placeholder 4"/>
-          <p:cNvSpPr>
-            <a:spLocks noGrp="1"/>
-          </p:cNvSpPr>
-          <p:nvPr>
-            <p:ph type="ftr" sz="quarter" idx="11"/>
-          </p:nvPr>
-        </p:nvSpPr>
-        <p:spPr>
-          <a:xfrm>
-            <a:off x="965607" y="7472477"/>
-            <a:ext cx="12706502" cy="384048"/>
-          </a:xfrm>
-        </p:spPr>
-        <p:txBody>
-          <a:bodyPr/>
-          <a:lstStyle>
-            <a:lvl1pPr algn="ctr">
-              <a:defRPr/>
-            </a:lvl1pPr>
-          </a:lstStyle>
-          <a:p>
-            <a:endParaRPr lang="en-US"/>
-          </a:p>
-        </p:txBody>
-      </p:sp>
-      <p:sp>
-        <p:nvSpPr>
-          <p:cNvPr id="6" name="Slide Number Placeholder 5"/>
-          <p:cNvSpPr>
-            <a:spLocks noGrp="1"/>
-          </p:cNvSpPr>
-          <p:nvPr>
-            <p:ph type="sldNum" sz="quarter" idx="12"/>
-          </p:nvPr>
-        </p:nvSpPr>
-        <p:spPr>
-          <a:xfrm>
-            <a:off x="12563856" y="384048"/>
-            <a:ext cx="1097280" cy="384048"/>
-          </a:xfrm>
-        </p:spPr>
-        <p:txBody>
-          <a:bodyPr/>
-          <a:lstStyle/>
-          <a:p>
-            <a:fld id="{6F51A0CA-260B-46C0-8077-05435D50D64B}" type="slidenum">
-              <a:rPr lang="en-US" smtClean="0"/>
-              <a:t>‹#›</a:t>
-            </a:fld>
-            <a:endParaRPr lang="en-US"/>
           </a:p>
         </p:txBody>
       </p:sp>
@@ -5744,71 +5507,6 @@
               <a:rPr lang="en-US" dirty="0"/>
               <a:t>Track #</a:t>
             </a:r>
-          </a:p>
-        </p:txBody>
-      </p:sp>
-      <p:sp>
-        <p:nvSpPr>
-          <p:cNvPr id="3" name="Date Placeholder 2"/>
-          <p:cNvSpPr>
-            <a:spLocks noGrp="1"/>
-          </p:cNvSpPr>
-          <p:nvPr>
-            <p:ph type="dt" sz="half" idx="10"/>
-          </p:nvPr>
-        </p:nvSpPr>
-        <p:spPr/>
-        <p:txBody>
-          <a:bodyPr/>
-          <a:lstStyle/>
-          <a:p>
-            <a:fld id="{CE60F759-2DB9-45EC-93E5-4C9B94ABF359}" type="datetimeFigureOut">
-              <a:rPr lang="en-US" smtClean="0"/>
-              <a:t>3/6/2022</a:t>
-            </a:fld>
-            <a:endParaRPr lang="en-US"/>
-          </a:p>
-        </p:txBody>
-      </p:sp>
-      <p:sp>
-        <p:nvSpPr>
-          <p:cNvPr id="4" name="Footer Placeholder 3"/>
-          <p:cNvSpPr>
-            <a:spLocks noGrp="1"/>
-          </p:cNvSpPr>
-          <p:nvPr>
-            <p:ph type="ftr" sz="quarter" idx="11"/>
-          </p:nvPr>
-        </p:nvSpPr>
-        <p:spPr/>
-        <p:txBody>
-          <a:bodyPr/>
-          <a:lstStyle/>
-          <a:p>
-            <a:endParaRPr lang="en-US"/>
-          </a:p>
-        </p:txBody>
-      </p:sp>
-      <p:sp>
-        <p:nvSpPr>
-          <p:cNvPr id="5" name="Slide Number Placeholder 4"/>
-          <p:cNvSpPr>
-            <a:spLocks noGrp="1"/>
-          </p:cNvSpPr>
-          <p:nvPr>
-            <p:ph type="sldNum" sz="quarter" idx="12"/>
-          </p:nvPr>
-        </p:nvSpPr>
-        <p:spPr/>
-        <p:txBody>
-          <a:bodyPr/>
-          <a:lstStyle/>
-          <a:p>
-            <a:fld id="{6F51A0CA-260B-46C0-8077-05435D50D64B}" type="slidenum">
-              <a:rPr lang="en-US" smtClean="0"/>
-              <a:t>‹#›</a:t>
-            </a:fld>
-            <a:endParaRPr lang="en-US"/>
           </a:p>
         </p:txBody>
       </p:sp>
@@ -8510,17 +8208,19 @@
         </p:nvSpPr>
         <p:spPr>
           <a:xfrm>
-            <a:off x="6142137" y="963823"/>
-            <a:ext cx="7538248" cy="6298346"/>
+            <a:off x="6217920" y="365760"/>
+            <a:ext cx="8046720" cy="7498080"/>
           </a:xfrm>
         </p:spPr>
         <p:txBody>
-          <a:bodyPr anchor="ctr"/>
+          <a:bodyPr anchor="ctr">
+            <a:normAutofit/>
+          </a:bodyPr>
           <a:lstStyle>
             <a:lvl1pPr marL="457200" indent="-457200">
               <a:buFont typeface="+mj-lt"/>
               <a:buAutoNum type="arabicPeriod"/>
-              <a:defRPr sz="2400"/>
+              <a:defRPr sz="2100"/>
             </a:lvl1pPr>
             <a:lvl2pPr marL="1005840" indent="-457200">
               <a:buFont typeface="+mj-lt"/>
@@ -8549,71 +8249,6 @@
               <a:rPr lang="en-US" dirty="0"/>
               <a:t>Click to edit Master text styles</a:t>
             </a:r>
-          </a:p>
-        </p:txBody>
-      </p:sp>
-      <p:sp>
-        <p:nvSpPr>
-          <p:cNvPr id="4" name="Date Placeholder 3"/>
-          <p:cNvSpPr>
-            <a:spLocks noGrp="1"/>
-          </p:cNvSpPr>
-          <p:nvPr>
-            <p:ph type="dt" sz="half" idx="10"/>
-          </p:nvPr>
-        </p:nvSpPr>
-        <p:spPr/>
-        <p:txBody>
-          <a:bodyPr/>
-          <a:lstStyle/>
-          <a:p>
-            <a:fld id="{CE60F759-2DB9-45EC-93E5-4C9B94ABF359}" type="datetimeFigureOut">
-              <a:rPr lang="en-US" smtClean="0"/>
-              <a:t>3/6/2022</a:t>
-            </a:fld>
-            <a:endParaRPr lang="en-US"/>
-          </a:p>
-        </p:txBody>
-      </p:sp>
-      <p:sp>
-        <p:nvSpPr>
-          <p:cNvPr id="5" name="Footer Placeholder 4"/>
-          <p:cNvSpPr>
-            <a:spLocks noGrp="1"/>
-          </p:cNvSpPr>
-          <p:nvPr>
-            <p:ph type="ftr" sz="quarter" idx="11"/>
-          </p:nvPr>
-        </p:nvSpPr>
-        <p:spPr/>
-        <p:txBody>
-          <a:bodyPr/>
-          <a:lstStyle/>
-          <a:p>
-            <a:endParaRPr lang="en-US"/>
-          </a:p>
-        </p:txBody>
-      </p:sp>
-      <p:sp>
-        <p:nvSpPr>
-          <p:cNvPr id="6" name="Slide Number Placeholder 5"/>
-          <p:cNvSpPr>
-            <a:spLocks noGrp="1"/>
-          </p:cNvSpPr>
-          <p:nvPr>
-            <p:ph type="sldNum" sz="quarter" idx="12"/>
-          </p:nvPr>
-        </p:nvSpPr>
-        <p:spPr/>
-        <p:txBody>
-          <a:bodyPr/>
-          <a:lstStyle/>
-          <a:p>
-            <a:fld id="{6F51A0CA-260B-46C0-8077-05435D50D64B}" type="slidenum">
-              <a:rPr lang="en-US" smtClean="0"/>
-              <a:t>‹#›</a:t>
-            </a:fld>
-            <a:endParaRPr lang="en-US"/>
           </a:p>
         </p:txBody>
       </p:sp>
@@ -8760,125 +8395,6 @@
               <a:t>Fifth level</a:t>
             </a:r>
             <a:endParaRPr lang="en-US" dirty="0"/>
-          </a:p>
-        </p:txBody>
-      </p:sp>
-      <p:sp>
-        <p:nvSpPr>
-          <p:cNvPr id="4" name="Date Placeholder 3"/>
-          <p:cNvSpPr>
-            <a:spLocks noGrp="1"/>
-          </p:cNvSpPr>
-          <p:nvPr>
-            <p:ph type="dt" sz="half" idx="2"/>
-          </p:nvPr>
-        </p:nvSpPr>
-        <p:spPr>
-          <a:xfrm>
-            <a:off x="965606" y="384048"/>
-            <a:ext cx="4389120" cy="384048"/>
-          </a:xfrm>
-          <a:prstGeom prst="rect">
-            <a:avLst/>
-          </a:prstGeom>
-        </p:spPr>
-        <p:txBody>
-          <a:bodyPr vert="horz" lIns="91440" tIns="45720" rIns="91440" bIns="45720" rtlCol="0" anchor="ctr"/>
-          <a:lstStyle>
-            <a:lvl1pPr algn="l">
-              <a:defRPr sz="1200">
-                <a:solidFill>
-                  <a:schemeClr val="tx1">
-                    <a:tint val="75000"/>
-                  </a:schemeClr>
-                </a:solidFill>
-              </a:defRPr>
-            </a:lvl1pPr>
-          </a:lstStyle>
-          <a:p>
-            <a:fld id="{CE60F759-2DB9-45EC-93E5-4C9B94ABF359}" type="datetimeFigureOut">
-              <a:rPr lang="en-US" smtClean="0"/>
-              <a:t>3/6/2022</a:t>
-            </a:fld>
-            <a:endParaRPr lang="en-US"/>
-          </a:p>
-        </p:txBody>
-      </p:sp>
-      <p:sp>
-        <p:nvSpPr>
-          <p:cNvPr id="5" name="Footer Placeholder 4"/>
-          <p:cNvSpPr>
-            <a:spLocks noGrp="1"/>
-          </p:cNvSpPr>
-          <p:nvPr>
-            <p:ph type="ftr" sz="quarter" idx="3"/>
-          </p:nvPr>
-        </p:nvSpPr>
-        <p:spPr>
-          <a:xfrm>
-            <a:off x="965607" y="7472477"/>
-            <a:ext cx="12706502" cy="384048"/>
-          </a:xfrm>
-          <a:prstGeom prst="rect">
-            <a:avLst/>
-          </a:prstGeom>
-        </p:spPr>
-        <p:txBody>
-          <a:bodyPr vert="horz" lIns="91440" tIns="45720" rIns="91440" bIns="45720" rtlCol="0" anchor="ctr"/>
-          <a:lstStyle>
-            <a:lvl1pPr algn="r">
-              <a:defRPr sz="1200">
-                <a:solidFill>
-                  <a:schemeClr val="tx1">
-                    <a:tint val="75000"/>
-                  </a:schemeClr>
-                </a:solidFill>
-              </a:defRPr>
-            </a:lvl1pPr>
-          </a:lstStyle>
-          <a:p>
-            <a:endParaRPr lang="en-US"/>
-          </a:p>
-        </p:txBody>
-      </p:sp>
-      <p:sp>
-        <p:nvSpPr>
-          <p:cNvPr id="6" name="Slide Number Placeholder 5"/>
-          <p:cNvSpPr>
-            <a:spLocks noGrp="1"/>
-          </p:cNvSpPr>
-          <p:nvPr>
-            <p:ph type="sldNum" sz="quarter" idx="4"/>
-          </p:nvPr>
-        </p:nvSpPr>
-        <p:spPr>
-          <a:xfrm>
-            <a:off x="12563856" y="384048"/>
-            <a:ext cx="1097280" cy="384048"/>
-          </a:xfrm>
-          <a:prstGeom prst="rect">
-            <a:avLst/>
-          </a:prstGeom>
-        </p:spPr>
-        <p:txBody>
-          <a:bodyPr vert="horz" lIns="91440" tIns="45720" rIns="91440" bIns="45720" rtlCol="0" anchor="ctr"/>
-          <a:lstStyle>
-            <a:lvl1pPr algn="r">
-              <a:defRPr sz="1200">
-                <a:solidFill>
-                  <a:schemeClr val="tx1">
-                    <a:tint val="75000"/>
-                  </a:schemeClr>
-                </a:solidFill>
-              </a:defRPr>
-            </a:lvl1pPr>
-          </a:lstStyle>
-          <a:p>
-            <a:fld id="{6F51A0CA-260B-46C0-8077-05435D50D64B}" type="slidenum">
-              <a:rPr lang="en-US" smtClean="0"/>
-              <a:t>‹#›</a:t>
-            </a:fld>
-            <a:endParaRPr lang="en-US"/>
           </a:p>
         </p:txBody>
       </p:sp>

--- a/templates/master_copy.pptx
+++ b/templates/master_copy.pptx
@@ -4151,34 +4151,46 @@
       </p:grpSp>
       <p:sp>
         <p:nvSpPr>
-          <p:cNvPr id="2" name="Title 1"/>
+          <p:cNvPr id="4" name="Content Placeholder 3">
+            <a:extLst>
+              <a:ext uri="{FF2B5EF4-FFF2-40B4-BE49-F238E27FC236}">
+                <a16:creationId xmlns:a16="http://schemas.microsoft.com/office/drawing/2014/main" id="{F7FEF419-8A35-45DF-BB81-959A83ADD754}"/>
+              </a:ext>
+            </a:extLst>
+          </p:cNvPr>
           <p:cNvSpPr>
             <a:spLocks noGrp="1"/>
           </p:cNvSpPr>
           <p:nvPr>
-            <p:ph type="title" hasCustomPrompt="1"/>
+            <p:ph sz="quarter" idx="10" hasCustomPrompt="1"/>
           </p:nvPr>
         </p:nvSpPr>
         <p:spPr>
           <a:xfrm>
-            <a:off x="4013059" y="2489676"/>
-            <a:ext cx="6588269" cy="3754866"/>
+            <a:off x="4005072" y="2478024"/>
+            <a:ext cx="6620256" cy="3803904"/>
           </a:xfrm>
         </p:spPr>
         <p:txBody>
-          <a:bodyPr bIns="0" anchor="ctr">
-            <a:noAutofit/>
+          <a:bodyPr anchor="ctr">
+            <a:normAutofit/>
           </a:bodyPr>
           <a:lstStyle>
-            <a:lvl1pPr algn="ctr">
+            <a:lvl1pPr marL="0" indent="0" algn="ctr">
+              <a:lnSpc>
+                <a:spcPct val="85000"/>
+              </a:lnSpc>
+              <a:spcBef>
+                <a:spcPts val="0"/>
+              </a:spcBef>
+              <a:buNone/>
               <a:defRPr sz="11500">
-                <a:solidFill>
-                  <a:srgbClr val="FFFEFF"/>
-                </a:solidFill>
+                <a:latin typeface="+mj-lt"/>
               </a:defRPr>
             </a:lvl1pPr>
           </a:lstStyle>
           <a:p>
+            <a:pPr lvl="0"/>
             <a:r>
               <a:rPr lang="en-US" dirty="0"/>
               <a:t>Round #</a:t>
